--- a/DoAn3.pptx
+++ b/DoAn3.pptx
@@ -217,7 +217,7 @@
           <a:p>
             <a:fld id="{29F618F8-8F04-4CF5-8D94-976C6A7B99C6}" type="datetimeFigureOut">
               <a:rPr lang="en-US" smtClean="0"/>
-              <a:t>12/3/2018</a:t>
+              <a:t>12/8/2018</a:t>
             </a:fld>
             <a:endParaRPr lang="en-US"/>
           </a:p>
@@ -828,6 +828,37 @@
           <a:bodyPr/>
           <a:lstStyle/>
           <a:p>
+            <a:pPr marL="0" marR="0" indent="0" algn="l" defTabSz="914400" rtl="0" eaLnBrk="1" fontAlgn="auto" latinLnBrk="0" hangingPunct="1">
+              <a:lnSpc>
+                <a:spcPct val="100000"/>
+              </a:lnSpc>
+              <a:spcBef>
+                <a:spcPts val="0"/>
+              </a:spcBef>
+              <a:spcAft>
+                <a:spcPts val="0"/>
+              </a:spcAft>
+              <a:buClrTx/>
+              <a:buSzTx/>
+              <a:buFontTx/>
+              <a:buNone/>
+              <a:tabLst/>
+              <a:defRPr/>
+            </a:pPr>
+            <a:r>
+              <a:rPr lang="en-US" sz="1200" kern="1200" smtClean="0">
+                <a:solidFill>
+                  <a:schemeClr val="tx1"/>
+                </a:solidFill>
+                <a:effectLst/>
+                <a:latin typeface="+mn-lt"/>
+                <a:ea typeface="+mn-ea"/>
+                <a:cs typeface="+mn-cs"/>
+              </a:rPr>
+              <a:t>. Quỹ đạo của đối tượng và thông tin va chạm sau đó được kết hợp với thống kê âm thanh được tính toán trước để tạo ra âm thanh mà nó tạo ra trong suốt sự kiện va chạm. Với mô hình  chuyển tiếp hiệu quả, chúng ta có thể phỏng đoán các thuộc tính đối tượng bằng cách sử dụng phân tích theo tổng hợp; cho mỗi clip âm thanh, chúng tôi muốn tìm kiếm một tập hợp các biến tiềm ẩn phù hợp nhất với tái tạo nó.</a:t>
+            </a:r>
+          </a:p>
+          <a:p>
             <a:endParaRPr lang="en-US"/>
           </a:p>
         </p:txBody>
@@ -859,6 +890,97 @@
     <p:extLst>
       <p:ext uri="{BB962C8B-B14F-4D97-AF65-F5344CB8AC3E}">
         <p14:creationId xmlns:p14="http://schemas.microsoft.com/office/powerpoint/2010/main" val="173286444"/>
+      </p:ext>
+    </p:extLst>
+  </p:cSld>
+  <p:clrMapOvr>
+    <a:masterClrMapping/>
+  </p:clrMapOvr>
+</p:notes>
+</file>
+
+<file path=ppt/notesSlides/notesSlide5.xml><?xml version="1.0" encoding="utf-8"?>
+<p:notes xmlns:a="http://schemas.openxmlformats.org/drawingml/2006/main" xmlns:r="http://schemas.openxmlformats.org/officeDocument/2006/relationships" xmlns:p="http://schemas.openxmlformats.org/presentationml/2006/main">
+  <p:cSld>
+    <p:spTree>
+      <p:nvGrpSpPr>
+        <p:cNvPr id="1" name=""/>
+        <p:cNvGrpSpPr/>
+        <p:nvPr/>
+      </p:nvGrpSpPr>
+      <p:grpSpPr>
+        <a:xfrm>
+          <a:off x="0" y="0"/>
+          <a:ext cx="0" cy="0"/>
+          <a:chOff x="0" y="0"/>
+          <a:chExt cx="0" cy="0"/>
+        </a:xfrm>
+      </p:grpSpPr>
+      <p:sp>
+        <p:nvSpPr>
+          <p:cNvPr id="2" name="Slide Image Placeholder 1"/>
+          <p:cNvSpPr>
+            <a:spLocks noGrp="1" noRot="1" noChangeAspect="1"/>
+          </p:cNvSpPr>
+          <p:nvPr>
+            <p:ph type="sldImg"/>
+          </p:nvPr>
+        </p:nvSpPr>
+        <p:spPr/>
+      </p:sp>
+      <p:sp>
+        <p:nvSpPr>
+          <p:cNvPr id="3" name="Notes Placeholder 2"/>
+          <p:cNvSpPr>
+            <a:spLocks noGrp="1"/>
+          </p:cNvSpPr>
+          <p:nvPr>
+            <p:ph type="body" idx="1"/>
+          </p:nvPr>
+        </p:nvSpPr>
+        <p:spPr/>
+        <p:txBody>
+          <a:bodyPr/>
+          <a:lstStyle/>
+          <a:p>
+            <a:r>
+              <a:rPr lang="en-US" smtClean="0"/>
+              <a:t>Ví</a:t>
+            </a:r>
+            <a:r>
+              <a:rPr lang="en-US" baseline="0" smtClean="0"/>
+              <a:t> dụ: Sau khi tạo mô phỏng quả bóng rơi trong mô hình 3D. Mình sẽ lấy âm thanh quả bóng thật, rồi từ đó mình ra hàm L sao cho nó tính sự tương đồng âm thanh từ quả bóng 3D và âm thanh quả bóng thật gần bằng 1.</a:t>
+            </a:r>
+          </a:p>
+        </p:txBody>
+      </p:sp>
+      <p:sp>
+        <p:nvSpPr>
+          <p:cNvPr id="4" name="Slide Number Placeholder 3"/>
+          <p:cNvSpPr>
+            <a:spLocks noGrp="1"/>
+          </p:cNvSpPr>
+          <p:nvPr>
+            <p:ph type="sldNum" sz="quarter" idx="10"/>
+          </p:nvPr>
+        </p:nvSpPr>
+        <p:spPr/>
+        <p:txBody>
+          <a:bodyPr/>
+          <a:lstStyle/>
+          <a:p>
+            <a:fld id="{9D6D8A3C-F284-4598-8D4E-EFEB1A7A564C}" type="slidenum">
+              <a:rPr lang="en-US" smtClean="0"/>
+              <a:t>8</a:t>
+            </a:fld>
+            <a:endParaRPr lang="en-US"/>
+          </a:p>
+        </p:txBody>
+      </p:sp>
+    </p:spTree>
+    <p:extLst>
+      <p:ext uri="{BB962C8B-B14F-4D97-AF65-F5344CB8AC3E}">
+        <p14:creationId xmlns:p14="http://schemas.microsoft.com/office/powerpoint/2010/main" val="1711223042"/>
       </p:ext>
     </p:extLst>
   </p:cSld>
@@ -999,7 +1121,7 @@
           <a:p>
             <a:fld id="{CD87D375-F3B0-4CAB-BFFB-5ABA0065D603}" type="datetimeFigureOut">
               <a:rPr lang="en-US" smtClean="0"/>
-              <a:t>12/3/2018</a:t>
+              <a:t>12/8/2018</a:t>
             </a:fld>
             <a:endParaRPr lang="en-US"/>
           </a:p>
@@ -1169,7 +1291,7 @@
           <a:p>
             <a:fld id="{CD87D375-F3B0-4CAB-BFFB-5ABA0065D603}" type="datetimeFigureOut">
               <a:rPr lang="en-US" smtClean="0"/>
-              <a:t>12/3/2018</a:t>
+              <a:t>12/8/2018</a:t>
             </a:fld>
             <a:endParaRPr lang="en-US"/>
           </a:p>
@@ -1349,7 +1471,7 @@
           <a:p>
             <a:fld id="{CD87D375-F3B0-4CAB-BFFB-5ABA0065D603}" type="datetimeFigureOut">
               <a:rPr lang="en-US" smtClean="0"/>
-              <a:t>12/3/2018</a:t>
+              <a:t>12/8/2018</a:t>
             </a:fld>
             <a:endParaRPr lang="en-US"/>
           </a:p>
@@ -1519,7 +1641,7 @@
           <a:p>
             <a:fld id="{CD87D375-F3B0-4CAB-BFFB-5ABA0065D603}" type="datetimeFigureOut">
               <a:rPr lang="en-US" smtClean="0"/>
-              <a:t>12/3/2018</a:t>
+              <a:t>12/8/2018</a:t>
             </a:fld>
             <a:endParaRPr lang="en-US"/>
           </a:p>
@@ -1765,7 +1887,7 @@
           <a:p>
             <a:fld id="{CD87D375-F3B0-4CAB-BFFB-5ABA0065D603}" type="datetimeFigureOut">
               <a:rPr lang="en-US" smtClean="0"/>
-              <a:t>12/3/2018</a:t>
+              <a:t>12/8/2018</a:t>
             </a:fld>
             <a:endParaRPr lang="en-US"/>
           </a:p>
@@ -1997,7 +2119,7 @@
           <a:p>
             <a:fld id="{CD87D375-F3B0-4CAB-BFFB-5ABA0065D603}" type="datetimeFigureOut">
               <a:rPr lang="en-US" smtClean="0"/>
-              <a:t>12/3/2018</a:t>
+              <a:t>12/8/2018</a:t>
             </a:fld>
             <a:endParaRPr lang="en-US"/>
           </a:p>
@@ -2364,7 +2486,7 @@
           <a:p>
             <a:fld id="{CD87D375-F3B0-4CAB-BFFB-5ABA0065D603}" type="datetimeFigureOut">
               <a:rPr lang="en-US" smtClean="0"/>
-              <a:t>12/3/2018</a:t>
+              <a:t>12/8/2018</a:t>
             </a:fld>
             <a:endParaRPr lang="en-US"/>
           </a:p>
@@ -2482,7 +2604,7 @@
           <a:p>
             <a:fld id="{CD87D375-F3B0-4CAB-BFFB-5ABA0065D603}" type="datetimeFigureOut">
               <a:rPr lang="en-US" smtClean="0"/>
-              <a:t>12/3/2018</a:t>
+              <a:t>12/8/2018</a:t>
             </a:fld>
             <a:endParaRPr lang="en-US"/>
           </a:p>
@@ -2577,7 +2699,7 @@
           <a:p>
             <a:fld id="{CD87D375-F3B0-4CAB-BFFB-5ABA0065D603}" type="datetimeFigureOut">
               <a:rPr lang="en-US" smtClean="0"/>
-              <a:t>12/3/2018</a:t>
+              <a:t>12/8/2018</a:t>
             </a:fld>
             <a:endParaRPr lang="en-US"/>
           </a:p>
@@ -2854,7 +2976,7 @@
           <a:p>
             <a:fld id="{CD87D375-F3B0-4CAB-BFFB-5ABA0065D603}" type="datetimeFigureOut">
               <a:rPr lang="en-US" smtClean="0"/>
-              <a:t>12/3/2018</a:t>
+              <a:t>12/8/2018</a:t>
             </a:fld>
             <a:endParaRPr lang="en-US"/>
           </a:p>
@@ -3107,7 +3229,7 @@
           <a:p>
             <a:fld id="{CD87D375-F3B0-4CAB-BFFB-5ABA0065D603}" type="datetimeFigureOut">
               <a:rPr lang="en-US" smtClean="0"/>
-              <a:t>12/3/2018</a:t>
+              <a:t>12/8/2018</a:t>
             </a:fld>
             <a:endParaRPr lang="en-US"/>
           </a:p>
@@ -3320,7 +3442,7 @@
           <a:p>
             <a:fld id="{CD87D375-F3B0-4CAB-BFFB-5ABA0065D603}" type="datetimeFigureOut">
               <a:rPr lang="en-US" smtClean="0"/>
-              <a:t>12/3/2018</a:t>
+              <a:t>12/8/2018</a:t>
             </a:fld>
             <a:endParaRPr lang="en-US"/>
           </a:p>
@@ -3802,13 +3924,13 @@
           <a:p>
             <a:r>
               <a:rPr lang="en-US" smtClean="0"/>
-              <a:t>Nhóm 6 : - Lê bảo Châu</a:t>
-            </a:r>
-          </a:p>
-          <a:p>
-            <a:r>
-              <a:rPr lang="en-US" smtClean="0"/>
-              <a:t>                   - Đào Văn Toản</a:t>
+              <a:t>Nhóm 6 : - Lê bảo Châu   15110</a:t>
+            </a:r>
+          </a:p>
+          <a:p>
+            <a:r>
+              <a:rPr lang="en-US" smtClean="0"/>
+              <a:t>                        - Đào Văn Toản 15110142</a:t>
             </a:r>
             <a:endParaRPr lang="en-US"/>
           </a:p>
@@ -3868,20 +3990,14 @@
           </a:xfrm>
         </p:spPr>
         <p:txBody>
-          <a:bodyPr/>
+          <a:bodyPr>
+            <a:normAutofit fontScale="90000"/>
+          </a:bodyPr>
           <a:lstStyle/>
           <a:p>
             <a:r>
               <a:rPr lang="en-US" smtClean="0"/>
-              <a:t>Cho máy bắt chước con </a:t>
-            </a:r>
-            <a:r>
-              <a:rPr lang="en-US" smtClean="0"/>
-              <a:t>người có khả năng </a:t>
-            </a:r>
-            <a:r>
-              <a:rPr lang="en-US" smtClean="0"/>
-              <a:t>nghe âm thanh đoán được đồ vật </a:t>
+              <a:t>Mục đíchbài báo: làm cho máy bắt chước con người có khả năng nghe âm thanh đoán được đồ vật </a:t>
             </a:r>
             <a:endParaRPr lang="en-US"/>
           </a:p>
@@ -5570,14 +5686,19 @@
             <p:ph type="title"/>
           </p:nvPr>
         </p:nvSpPr>
-        <p:spPr/>
+        <p:spPr>
+          <a:xfrm>
+            <a:off x="838200" y="365125"/>
+            <a:ext cx="10515600" cy="1053127"/>
+          </a:xfrm>
+        </p:spPr>
         <p:txBody>
           <a:bodyPr/>
           <a:lstStyle/>
           <a:p>
             <a:r>
               <a:rPr lang="en-US" smtClean="0"/>
-              <a:t>3.Tạo huấn luyện tốt</a:t>
+              <a:t>3. Các bước thực hiện trainning</a:t>
             </a:r>
             <a:endParaRPr lang="en-US"/>
           </a:p>
@@ -5607,7 +5728,7 @@
         </p:blipFill>
         <p:spPr>
           <a:xfrm>
-            <a:off x="1109618" y="4660623"/>
+            <a:off x="1181055" y="5089248"/>
             <a:ext cx="2733675" cy="1323975"/>
           </a:xfrm>
         </p:spPr>
@@ -5634,7 +5755,7 @@
         </p:blipFill>
         <p:spPr>
           <a:xfrm>
-            <a:off x="907730" y="1693056"/>
+            <a:off x="979167" y="2121681"/>
             <a:ext cx="2791215" cy="1562318"/>
           </a:xfrm>
           <a:prstGeom prst="rect">
@@ -5664,7 +5785,7 @@
         </p:blipFill>
         <p:spPr>
           <a:xfrm>
-            <a:off x="2351466" y="3679447"/>
+            <a:off x="2422903" y="4108072"/>
             <a:ext cx="402639" cy="965651"/>
           </a:xfrm>
           <a:prstGeom prst="rect">
@@ -5680,7 +5801,7 @@
         </p:nvSpPr>
         <p:spPr>
           <a:xfrm rot="1524059" flipH="1">
-            <a:off x="3222180" y="3180181"/>
+            <a:off x="3293617" y="3608806"/>
             <a:ext cx="739769" cy="1225360"/>
           </a:xfrm>
           <a:prstGeom prst="lightningBolt">
@@ -5720,7 +5841,7 @@
         </p:nvSpPr>
         <p:spPr>
           <a:xfrm rot="503976">
-            <a:off x="3928780" y="2316177"/>
+            <a:off x="4000217" y="2744802"/>
             <a:ext cx="1919097" cy="1278862"/>
           </a:xfrm>
           <a:prstGeom prst="cloud">
@@ -5781,7 +5902,7 @@
         </p:nvSpPr>
         <p:spPr>
           <a:xfrm>
-            <a:off x="6075337" y="1566771"/>
+            <a:off x="6096000" y="1899158"/>
             <a:ext cx="5795578" cy="4417827"/>
           </a:xfrm>
           <a:prstGeom prst="rect">
@@ -5833,7 +5954,7 @@
         </p:blipFill>
         <p:spPr>
           <a:xfrm>
-            <a:off x="8678323" y="4612998"/>
+            <a:off x="8749760" y="5041623"/>
             <a:ext cx="2867025" cy="1371600"/>
           </a:xfrm>
           <a:prstGeom prst="rect">
@@ -5863,7 +5984,7 @@
         </p:blipFill>
         <p:spPr>
           <a:xfrm>
-            <a:off x="8459017" y="2305311"/>
+            <a:off x="8530454" y="2733936"/>
             <a:ext cx="3105583" cy="1667108"/>
           </a:xfrm>
           <a:prstGeom prst="rect">
@@ -5893,7 +6014,7 @@
         </p:blipFill>
         <p:spPr>
           <a:xfrm>
-            <a:off x="6387002" y="4644503"/>
+            <a:off x="6458439" y="5073128"/>
             <a:ext cx="1009791" cy="990738"/>
           </a:xfrm>
           <a:prstGeom prst="rect">
@@ -5923,7 +6044,7 @@
         </p:blipFill>
         <p:spPr>
           <a:xfrm>
-            <a:off x="9753681" y="4075996"/>
+            <a:off x="9825118" y="4504621"/>
             <a:ext cx="333422" cy="400106"/>
           </a:xfrm>
           <a:prstGeom prst="rect">
@@ -5931,6 +6052,55 @@
           </a:prstGeom>
         </p:spPr>
       </p:pic>
+      <p:sp>
+        <p:nvSpPr>
+          <p:cNvPr id="18" name="Title 1"/>
+          <p:cNvSpPr txBox="1">
+            <a:spLocks/>
+          </p:cNvSpPr>
+          <p:nvPr/>
+        </p:nvSpPr>
+        <p:spPr>
+          <a:xfrm>
+            <a:off x="744627" y="1059332"/>
+            <a:ext cx="10515600" cy="1053127"/>
+          </a:xfrm>
+          <a:prstGeom prst="rect">
+            <a:avLst/>
+          </a:prstGeom>
+        </p:spPr>
+        <p:txBody>
+          <a:bodyPr vert="horz" lIns="91440" tIns="45720" rIns="91440" bIns="45720" rtlCol="0" anchor="ctr">
+            <a:normAutofit/>
+          </a:bodyPr>
+          <a:lstStyle>
+            <a:lvl1pPr algn="l" defTabSz="914400" rtl="0" eaLnBrk="1" latinLnBrk="0" hangingPunct="1">
+              <a:lnSpc>
+                <a:spcPct val="90000"/>
+              </a:lnSpc>
+              <a:spcBef>
+                <a:spcPct val="0"/>
+              </a:spcBef>
+              <a:buNone/>
+              <a:defRPr sz="4400" kern="1200">
+                <a:solidFill>
+                  <a:schemeClr val="tx1"/>
+                </a:solidFill>
+                <a:latin typeface="+mj-lt"/>
+                <a:ea typeface="+mj-ea"/>
+                <a:cs typeface="+mj-cs"/>
+              </a:defRPr>
+            </a:lvl1pPr>
+          </a:lstStyle>
+          <a:p>
+            <a:r>
+              <a:rPr lang="en-US" sz="3000" smtClean="0"/>
+              <a:t>Bước 1: Biểu diễn đối tượng dưới hình dạng 3D</a:t>
+            </a:r>
+            <a:endParaRPr lang="en-US" sz="3000"/>
+          </a:p>
+        </p:txBody>
+      </p:sp>
       <p:pic>
         <p:nvPicPr>
           <p:cNvPr id="28" name="Picture 27"/>
@@ -5953,7 +6123,7 @@
         </p:blipFill>
         <p:spPr>
           <a:xfrm>
-            <a:off x="6653286" y="3960142"/>
+            <a:off x="6724723" y="4388767"/>
             <a:ext cx="438211" cy="381053"/>
           </a:xfrm>
           <a:prstGeom prst="rect">
@@ -5983,7 +6153,7 @@
         </p:blipFill>
         <p:spPr>
           <a:xfrm>
-            <a:off x="7952650" y="4960608"/>
+            <a:off x="8024087" y="5389233"/>
             <a:ext cx="400106" cy="362001"/>
           </a:xfrm>
           <a:prstGeom prst="rect">
@@ -6013,7 +6183,7 @@
         </p:blipFill>
         <p:spPr>
           <a:xfrm>
-            <a:off x="7708813" y="2791572"/>
+            <a:off x="7780250" y="3220197"/>
             <a:ext cx="487673" cy="485843"/>
           </a:xfrm>
           <a:prstGeom prst="rect">
@@ -6043,7 +6213,7 @@
         </p:blipFill>
         <p:spPr>
           <a:xfrm>
-            <a:off x="6276997" y="2672820"/>
+            <a:off x="6348434" y="3101445"/>
             <a:ext cx="1190791" cy="828791"/>
           </a:xfrm>
           <a:prstGeom prst="rect">
@@ -6059,7 +6229,7 @@
         </p:nvSpPr>
         <p:spPr>
           <a:xfrm>
-            <a:off x="6872391" y="1758414"/>
+            <a:off x="6943828" y="2187039"/>
             <a:ext cx="4373942" cy="423340"/>
           </a:xfrm>
           <a:prstGeom prst="flowChartProcess">
@@ -6915,32 +7085,27 @@
             <p:ph type="title"/>
           </p:nvPr>
         </p:nvSpPr>
-        <p:spPr/>
-        <p:txBody>
-          <a:bodyPr/>
+        <p:spPr>
+          <a:xfrm>
+            <a:off x="842963" y="222250"/>
+            <a:ext cx="10425112" cy="1325563"/>
+          </a:xfrm>
+        </p:spPr>
+        <p:txBody>
+          <a:bodyPr>
+            <a:normAutofit/>
+          </a:bodyPr>
           <a:lstStyle/>
           <a:p>
             <a:r>
-              <a:rPr lang="en-US" smtClean="0"/>
-              <a:t>4.Tạo </a:t>
-            </a:r>
-            <a:r>
-              <a:rPr lang="en-US"/>
-              <a:t>tập huấn </a:t>
-            </a:r>
-            <a:r>
-              <a:rPr lang="en-US" smtClean="0"/>
-              <a:t>luyện trong máy và </a:t>
-            </a:r>
-            <a:r>
-              <a:rPr lang="en-US"/>
-              <a:t>phân </a:t>
-            </a:r>
-            <a:r>
-              <a:rPr lang="en-US" smtClean="0"/>
-              <a:t>loại</a:t>
-            </a:r>
-            <a:endParaRPr lang="en-US"/>
+              <a:rPr lang="en-US" sz="3000" smtClean="0"/>
+              <a:t>Bước 2: tổng hợp âm thanh dựa trên vật lý, </a:t>
+            </a:r>
+            <a:r>
+              <a:rPr lang="en-US" sz="3000" smtClean="0"/>
+              <a:t>Tạo tập huấn luyện trong máy và phân loại</a:t>
+            </a:r>
+            <a:endParaRPr lang="en-US" sz="3000"/>
           </a:p>
         </p:txBody>
       </p:sp>
@@ -7110,25 +7275,6 @@
           <a:chExt cx="0" cy="0"/>
         </a:xfrm>
       </p:grpSpPr>
-      <p:sp>
-        <p:nvSpPr>
-          <p:cNvPr id="2" name="Title 1"/>
-          <p:cNvSpPr>
-            <a:spLocks noGrp="1"/>
-          </p:cNvSpPr>
-          <p:nvPr>
-            <p:ph type="title"/>
-          </p:nvPr>
-        </p:nvSpPr>
-        <p:spPr/>
-        <p:txBody>
-          <a:bodyPr/>
-          <a:lstStyle/>
-          <a:p>
-            <a:endParaRPr lang="en-US"/>
-          </a:p>
-        </p:txBody>
-      </p:sp>
       <p:pic>
         <p:nvPicPr>
           <p:cNvPr id="4" name="Content Placeholder 3"/>
@@ -7153,7 +7299,7 @@
         </p:blipFill>
         <p:spPr>
           <a:xfrm>
-            <a:off x="885098" y="1929317"/>
+            <a:off x="570773" y="2015042"/>
             <a:ext cx="10421804" cy="4143953"/>
           </a:xfrm>
         </p:spPr>
@@ -7207,14 +7353,20 @@
         </p:nvSpPr>
         <p:spPr/>
         <p:txBody>
-          <a:bodyPr/>
+          <a:bodyPr>
+            <a:normAutofit/>
+          </a:bodyPr>
           <a:lstStyle/>
           <a:p>
             <a:r>
-              <a:rPr lang="en-US" smtClean="0"/>
-              <a:t>Cách tìm sự tương đồng 2 âm thanh</a:t>
-            </a:r>
-            <a:endParaRPr lang="en-US"/>
+              <a:rPr lang="en-US" sz="3000" smtClean="0"/>
+              <a:t>Bước 3: </a:t>
+            </a:r>
+            <a:r>
+              <a:rPr lang="en-US" sz="3000"/>
+              <a:t>cái hàm dùng để đo lường khoảng cách nhận thức giữa hai âm thanh</a:t>
+            </a:r>
+            <a:endParaRPr lang="en-US" sz="3000"/>
           </a:p>
         </p:txBody>
       </p:sp>
@@ -7250,23 +7402,31 @@
             </a:r>
             <a:r>
               <a:rPr lang="en-US" smtClean="0"/>
-              <a:t>Cho âm thanh S có biến tiềm ẩm x.</a:t>
-            </a:r>
-          </a:p>
-          <a:p>
-            <a:r>
-              <a:rPr lang="en-US" smtClean="0"/>
-              <a:t>Tái tạo 1 âm thanh g(x).</a:t>
-            </a:r>
-          </a:p>
-          <a:p>
-            <a:r>
-              <a:rPr lang="en-US"/>
+              <a:t>Cho âm thanh </a:t>
+            </a:r>
+            <a:r>
+              <a:rPr lang="en-US" smtClean="0"/>
+              <a:t>S trích ra biến tiềm ẩn x.</a:t>
+            </a:r>
+          </a:p>
+          <a:p>
+            <a:r>
+              <a:rPr lang="en-US" smtClean="0"/>
+              <a:t>Tái tạo 1 âm thanh g(x) trong mô hình 3D.</a:t>
+            </a:r>
+          </a:p>
+          <a:p>
+            <a:r>
+              <a:rPr lang="en-US" smtClean="0"/>
               <a:t>Cho</a:t>
             </a:r>
             <a:r>
+              <a:rPr lang="en-US" i="1" smtClean="0"/>
+              <a:t> </a:t>
+            </a:r>
+            <a:r>
               <a:rPr lang="en-US" i="1"/>
-              <a:t> L (  </a:t>
+              <a:t>L (  </a:t>
             </a:r>
             <a:r>
               <a:rPr lang="en-US" i="1" smtClean="0"/>
@@ -7410,15 +7570,7 @@
                   <a:srgbClr val="FF0000"/>
                 </a:solidFill>
               </a:rPr>
-              <a:t>ơn thầy và các bạn đã </a:t>
-            </a:r>
-            <a:r>
-              <a:rPr lang="en-US" b="1">
-                <a:solidFill>
-                  <a:srgbClr val="FF0000"/>
-                </a:solidFill>
-              </a:rPr>
-              <a:t>theo </a:t>
+              <a:t>ơn thầy và các bạn đã theo </a:t>
             </a:r>
             <a:r>
               <a:rPr lang="en-US" b="1" smtClean="0">
